--- a/docs/perspectives.pptx
+++ b/docs/perspectives.pptx
@@ -5,11 +5,12 @@
     <p:sldMasterId id="2147483648" r:id="rId1"/>
   </p:sldMasterIdLst>
   <p:sldIdLst>
-    <p:sldId id="259" r:id="rId2"/>
+    <p:sldId id="261" r:id="rId2"/>
     <p:sldId id="260" r:id="rId3"/>
-    <p:sldId id="256" r:id="rId4"/>
-    <p:sldId id="257" r:id="rId5"/>
-    <p:sldId id="258" r:id="rId6"/>
+    <p:sldId id="259" r:id="rId4"/>
+    <p:sldId id="256" r:id="rId5"/>
+    <p:sldId id="263" r:id="rId6"/>
+    <p:sldId id="264" r:id="rId7"/>
   </p:sldIdLst>
   <p:sldSz cx="9144000" cy="6858000" type="screen4x3"/>
   <p:notesSz cx="6858000" cy="9144000"/>
@@ -3485,142 +3486,10 @@
           </a:fontRef>
         </p:style>
       </p:cxnSp>
-      <p:sp>
-        <p:nvSpPr>
-          <p:cNvPr id="44" name="Rectangle 43"/>
-          <p:cNvSpPr/>
-          <p:nvPr/>
-        </p:nvSpPr>
-        <p:spPr>
-          <a:xfrm>
-            <a:off x="5300155" y="2946623"/>
-            <a:ext cx="2160240" cy="1427181"/>
-          </a:xfrm>
-          <a:prstGeom prst="rect">
-            <a:avLst/>
-          </a:prstGeom>
-          <a:noFill/>
-          <a:ln w="63500">
-            <a:solidFill>
-              <a:srgbClr val="FF0000"/>
-            </a:solidFill>
-          </a:ln>
-        </p:spPr>
-        <p:style>
-          <a:lnRef idx="2">
-            <a:schemeClr val="accent1">
-              <a:shade val="50000"/>
-            </a:schemeClr>
-          </a:lnRef>
-          <a:fillRef idx="1">
-            <a:schemeClr val="accent1"/>
-          </a:fillRef>
-          <a:effectRef idx="0">
-            <a:schemeClr val="accent1"/>
-          </a:effectRef>
-          <a:fontRef idx="minor">
-            <a:schemeClr val="lt1"/>
-          </a:fontRef>
-        </p:style>
-        <p:txBody>
-          <a:bodyPr rtlCol="0" anchor="ctr"/>
-          <a:lstStyle/>
-          <a:p>
-            <a:pPr algn="ctr"/>
-            <a:endParaRPr lang="en-US"/>
-          </a:p>
-        </p:txBody>
-      </p:sp>
-      <p:cxnSp>
-        <p:nvCxnSpPr>
-          <p:cNvPr id="45" name="Straight Arrow Connector 44"/>
-          <p:cNvCxnSpPr/>
-          <p:nvPr/>
-        </p:nvCxnSpPr>
-        <p:spPr>
-          <a:xfrm flipV="1">
-            <a:off x="4269333" y="3933057"/>
-            <a:ext cx="878731" cy="792087"/>
-          </a:xfrm>
-          <a:prstGeom prst="straightConnector1">
-            <a:avLst/>
-          </a:prstGeom>
-          <a:ln w="50800">
-            <a:solidFill>
-              <a:srgbClr val="FF0000"/>
-            </a:solidFill>
-            <a:tailEnd type="arrow"/>
-          </a:ln>
-        </p:spPr>
-        <p:style>
-          <a:lnRef idx="1">
-            <a:schemeClr val="accent1"/>
-          </a:lnRef>
-          <a:fillRef idx="0">
-            <a:schemeClr val="accent1"/>
-          </a:fillRef>
-          <a:effectRef idx="0">
-            <a:schemeClr val="accent1"/>
-          </a:effectRef>
-          <a:fontRef idx="minor">
-            <a:schemeClr val="tx1"/>
-          </a:fontRef>
-        </p:style>
-      </p:cxnSp>
-      <p:sp>
-        <p:nvSpPr>
-          <p:cNvPr id="48" name="TextBox 47"/>
-          <p:cNvSpPr txBox="1"/>
-          <p:nvPr/>
-        </p:nvSpPr>
-        <p:spPr>
-          <a:xfrm>
-            <a:off x="2951820" y="4808204"/>
-            <a:ext cx="2202719" cy="523220"/>
-          </a:xfrm>
-          <a:prstGeom prst="rect">
-            <a:avLst/>
-          </a:prstGeom>
-          <a:noFill/>
-        </p:spPr>
-        <p:txBody>
-          <a:bodyPr wrap="none" rtlCol="0">
-            <a:spAutoFit/>
-          </a:bodyPr>
-          <a:lstStyle/>
-          <a:p>
-            <a:r>
-              <a:rPr lang="en-US" sz="2800" dirty="0" smtClean="0">
-                <a:solidFill>
-                  <a:srgbClr val="FF0000"/>
-                </a:solidFill>
-              </a:rPr>
-              <a:t>Focus on </a:t>
-            </a:r>
-            <a:r>
-              <a:rPr lang="en-US" sz="2800" b="1" dirty="0" err="1" smtClean="0">
-                <a:solidFill>
-                  <a:srgbClr val="FF0000"/>
-                </a:solidFill>
-                <a:latin typeface="Courier New" panose="02070309020205020404" pitchFamily="49" charset="0"/>
-                <a:cs typeface="Courier New" panose="02070309020205020404" pitchFamily="49" charset="0"/>
-              </a:rPr>
-              <a:t>a.b</a:t>
-            </a:r>
-            <a:endParaRPr lang="en-US" sz="2800" b="1" dirty="0">
-              <a:solidFill>
-                <a:srgbClr val="FF0000"/>
-              </a:solidFill>
-              <a:latin typeface="Courier New" panose="02070309020205020404" pitchFamily="49" charset="0"/>
-              <a:cs typeface="Courier New" panose="02070309020205020404" pitchFamily="49" charset="0"/>
-            </a:endParaRPr>
-          </a:p>
-        </p:txBody>
-      </p:sp>
     </p:spTree>
     <p:extLst>
       <p:ext uri="{BB962C8B-B14F-4D97-AF65-F5344CB8AC3E}">
-        <p14:creationId xmlns:p14="http://schemas.microsoft.com/office/powerpoint/2010/main" val="566891864"/>
+        <p14:creationId xmlns:p14="http://schemas.microsoft.com/office/powerpoint/2010/main" val="915409902"/>
       </p:ext>
     </p:extLst>
   </p:cSld>
@@ -4138,7 +4007,7 @@
           <a:lstStyle/>
           <a:p>
             <a:r>
-              <a:rPr lang="en-US" sz="2800" smtClean="0">
+              <a:rPr lang="en-US" sz="2800" dirty="0" smtClean="0">
                 <a:solidFill>
                   <a:srgbClr val="FF0000"/>
                 </a:solidFill>
@@ -4535,360 +4404,6 @@
           </p:txBody>
         </p:sp>
       </p:grpSp>
-      <p:grpSp>
-        <p:nvGrpSpPr>
-          <p:cNvPr id="16" name="Group 15"/>
-          <p:cNvGrpSpPr/>
-          <p:nvPr/>
-        </p:nvGrpSpPr>
-        <p:grpSpPr>
-          <a:xfrm>
-            <a:off x="6380275" y="4784173"/>
-            <a:ext cx="1872208" cy="1080120"/>
-            <a:chOff x="1835696" y="764704"/>
-            <a:chExt cx="1872208" cy="1080120"/>
-          </a:xfrm>
-        </p:grpSpPr>
-        <p:sp>
-          <p:nvSpPr>
-            <p:cNvPr id="17" name="Rectangle 16"/>
-            <p:cNvSpPr/>
-            <p:nvPr/>
-          </p:nvSpPr>
-          <p:spPr>
-            <a:xfrm>
-              <a:off x="1835696" y="764704"/>
-              <a:ext cx="1872208" cy="1080120"/>
-            </a:xfrm>
-            <a:prstGeom prst="rect">
-              <a:avLst/>
-            </a:prstGeom>
-            <a:solidFill>
-              <a:schemeClr val="bg1">
-                <a:lumMod val="95000"/>
-              </a:schemeClr>
-            </a:solidFill>
-            <a:ln>
-              <a:solidFill>
-                <a:schemeClr val="tx1"/>
-              </a:solidFill>
-            </a:ln>
-          </p:spPr>
-          <p:style>
-            <a:lnRef idx="2">
-              <a:schemeClr val="accent1">
-                <a:shade val="50000"/>
-              </a:schemeClr>
-            </a:lnRef>
-            <a:fillRef idx="1">
-              <a:schemeClr val="accent1"/>
-            </a:fillRef>
-            <a:effectRef idx="0">
-              <a:schemeClr val="accent1"/>
-            </a:effectRef>
-            <a:fontRef idx="minor">
-              <a:schemeClr val="lt1"/>
-            </a:fontRef>
-          </p:style>
-          <p:txBody>
-            <a:bodyPr rtlCol="0" anchor="ctr"/>
-            <a:lstStyle/>
-            <a:p>
-              <a:pPr algn="ctr"/>
-              <a:endParaRPr lang="en-US" b="1">
-                <a:latin typeface="Courier New" panose="02070309020205020404" pitchFamily="49" charset="0"/>
-                <a:cs typeface="Courier New" panose="02070309020205020404" pitchFamily="49" charset="0"/>
-              </a:endParaRPr>
-            </a:p>
-          </p:txBody>
-        </p:sp>
-        <p:sp>
-          <p:nvSpPr>
-            <p:cNvPr id="18" name="Rectangle 17"/>
-            <p:cNvSpPr/>
-            <p:nvPr/>
-          </p:nvSpPr>
-          <p:spPr>
-            <a:xfrm>
-              <a:off x="1835696" y="764704"/>
-              <a:ext cx="1872208" cy="216024"/>
-            </a:xfrm>
-            <a:prstGeom prst="rect">
-              <a:avLst/>
-            </a:prstGeom>
-            <a:solidFill>
-              <a:schemeClr val="accent5">
-                <a:lumMod val="75000"/>
-              </a:schemeClr>
-            </a:solidFill>
-            <a:ln>
-              <a:solidFill>
-                <a:schemeClr val="tx1"/>
-              </a:solidFill>
-            </a:ln>
-          </p:spPr>
-          <p:style>
-            <a:lnRef idx="2">
-              <a:schemeClr val="accent1">
-                <a:shade val="50000"/>
-              </a:schemeClr>
-            </a:lnRef>
-            <a:fillRef idx="1">
-              <a:schemeClr val="accent1"/>
-            </a:fillRef>
-            <a:effectRef idx="0">
-              <a:schemeClr val="accent1"/>
-            </a:effectRef>
-            <a:fontRef idx="minor">
-              <a:schemeClr val="lt1"/>
-            </a:fontRef>
-          </p:style>
-          <p:txBody>
-            <a:bodyPr rtlCol="0" anchor="ctr"/>
-            <a:lstStyle/>
-            <a:p>
-              <a:pPr algn="ctr"/>
-              <a:r>
-                <a:rPr lang="en-US" b="1" dirty="0" err="1" smtClean="0">
-                  <a:latin typeface="Courier New" panose="02070309020205020404" pitchFamily="49" charset="0"/>
-                  <a:cs typeface="Courier New" panose="02070309020205020404" pitchFamily="49" charset="0"/>
-                </a:rPr>
-                <a:t>a.b.d</a:t>
-              </a:r>
-              <a:endParaRPr lang="en-US" b="1" dirty="0">
-                <a:latin typeface="Courier New" panose="02070309020205020404" pitchFamily="49" charset="0"/>
-                <a:cs typeface="Courier New" panose="02070309020205020404" pitchFamily="49" charset="0"/>
-              </a:endParaRPr>
-            </a:p>
-          </p:txBody>
-        </p:sp>
-        <p:sp>
-          <p:nvSpPr>
-            <p:cNvPr id="19" name="Rectangle 18"/>
-            <p:cNvSpPr/>
-            <p:nvPr/>
-          </p:nvSpPr>
-          <p:spPr>
-            <a:xfrm>
-              <a:off x="1835696" y="764704"/>
-              <a:ext cx="216024" cy="1080120"/>
-            </a:xfrm>
-            <a:prstGeom prst="rect">
-              <a:avLst/>
-            </a:prstGeom>
-            <a:noFill/>
-            <a:ln>
-              <a:solidFill>
-                <a:schemeClr val="tx1"/>
-              </a:solidFill>
-            </a:ln>
-          </p:spPr>
-          <p:style>
-            <a:lnRef idx="2">
-              <a:schemeClr val="accent1">
-                <a:shade val="50000"/>
-              </a:schemeClr>
-            </a:lnRef>
-            <a:fillRef idx="1">
-              <a:schemeClr val="accent1"/>
-            </a:fillRef>
-            <a:effectRef idx="0">
-              <a:schemeClr val="accent1"/>
-            </a:effectRef>
-            <a:fontRef idx="minor">
-              <a:schemeClr val="lt1"/>
-            </a:fontRef>
-          </p:style>
-          <p:txBody>
-            <a:bodyPr rtlCol="0" anchor="ctr"/>
-            <a:lstStyle/>
-            <a:p>
-              <a:pPr algn="ctr"/>
-              <a:endParaRPr lang="en-US" b="1">
-                <a:latin typeface="Courier New" panose="02070309020205020404" pitchFamily="49" charset="0"/>
-                <a:cs typeface="Courier New" panose="02070309020205020404" pitchFamily="49" charset="0"/>
-              </a:endParaRPr>
-            </a:p>
-          </p:txBody>
-        </p:sp>
-      </p:grpSp>
-      <p:grpSp>
-        <p:nvGrpSpPr>
-          <p:cNvPr id="20" name="Group 19"/>
-          <p:cNvGrpSpPr/>
-          <p:nvPr/>
-        </p:nvGrpSpPr>
-        <p:grpSpPr>
-          <a:xfrm>
-            <a:off x="1821061" y="3068960"/>
-            <a:ext cx="1872208" cy="1080120"/>
-            <a:chOff x="1835696" y="764704"/>
-            <a:chExt cx="1872208" cy="1080120"/>
-          </a:xfrm>
-        </p:grpSpPr>
-        <p:sp>
-          <p:nvSpPr>
-            <p:cNvPr id="21" name="Rectangle 20"/>
-            <p:cNvSpPr/>
-            <p:nvPr/>
-          </p:nvSpPr>
-          <p:spPr>
-            <a:xfrm>
-              <a:off x="1835696" y="764704"/>
-              <a:ext cx="1872208" cy="1080120"/>
-            </a:xfrm>
-            <a:prstGeom prst="rect">
-              <a:avLst/>
-            </a:prstGeom>
-            <a:solidFill>
-              <a:schemeClr val="bg1">
-                <a:lumMod val="95000"/>
-              </a:schemeClr>
-            </a:solidFill>
-            <a:ln>
-              <a:solidFill>
-                <a:schemeClr val="tx1"/>
-              </a:solidFill>
-            </a:ln>
-          </p:spPr>
-          <p:style>
-            <a:lnRef idx="2">
-              <a:schemeClr val="accent1">
-                <a:shade val="50000"/>
-              </a:schemeClr>
-            </a:lnRef>
-            <a:fillRef idx="1">
-              <a:schemeClr val="accent1"/>
-            </a:fillRef>
-            <a:effectRef idx="0">
-              <a:schemeClr val="accent1"/>
-            </a:effectRef>
-            <a:fontRef idx="minor">
-              <a:schemeClr val="lt1"/>
-            </a:fontRef>
-          </p:style>
-          <p:txBody>
-            <a:bodyPr rtlCol="0" anchor="ctr"/>
-            <a:lstStyle/>
-            <a:p>
-              <a:pPr algn="ctr"/>
-              <a:endParaRPr lang="en-US" b="1">
-                <a:latin typeface="Courier New" panose="02070309020205020404" pitchFamily="49" charset="0"/>
-                <a:cs typeface="Courier New" panose="02070309020205020404" pitchFamily="49" charset="0"/>
-              </a:endParaRPr>
-            </a:p>
-          </p:txBody>
-        </p:sp>
-        <p:sp>
-          <p:nvSpPr>
-            <p:cNvPr id="22" name="Rectangle 21"/>
-            <p:cNvSpPr/>
-            <p:nvPr/>
-          </p:nvSpPr>
-          <p:spPr>
-            <a:xfrm>
-              <a:off x="1835696" y="764704"/>
-              <a:ext cx="1872208" cy="216024"/>
-            </a:xfrm>
-            <a:prstGeom prst="rect">
-              <a:avLst/>
-            </a:prstGeom>
-            <a:solidFill>
-              <a:schemeClr val="accent5">
-                <a:lumMod val="75000"/>
-              </a:schemeClr>
-            </a:solidFill>
-            <a:ln>
-              <a:solidFill>
-                <a:schemeClr val="tx1"/>
-              </a:solidFill>
-            </a:ln>
-          </p:spPr>
-          <p:style>
-            <a:lnRef idx="2">
-              <a:schemeClr val="accent1">
-                <a:shade val="50000"/>
-              </a:schemeClr>
-            </a:lnRef>
-            <a:fillRef idx="1">
-              <a:schemeClr val="accent1"/>
-            </a:fillRef>
-            <a:effectRef idx="0">
-              <a:schemeClr val="accent1"/>
-            </a:effectRef>
-            <a:fontRef idx="minor">
-              <a:schemeClr val="lt1"/>
-            </a:fontRef>
-          </p:style>
-          <p:txBody>
-            <a:bodyPr rtlCol="0" anchor="ctr"/>
-            <a:lstStyle/>
-            <a:p>
-              <a:pPr algn="ctr"/>
-              <a:r>
-                <a:rPr lang="en-US" b="1" dirty="0" smtClean="0">
-                  <a:latin typeface="Courier New" panose="02070309020205020404" pitchFamily="49" charset="0"/>
-                  <a:cs typeface="Courier New" panose="02070309020205020404" pitchFamily="49" charset="0"/>
-                </a:rPr>
-                <a:t>c</a:t>
-              </a:r>
-              <a:endParaRPr lang="en-US" b="1" dirty="0">
-                <a:latin typeface="Courier New" panose="02070309020205020404" pitchFamily="49" charset="0"/>
-                <a:cs typeface="Courier New" panose="02070309020205020404" pitchFamily="49" charset="0"/>
-              </a:endParaRPr>
-            </a:p>
-          </p:txBody>
-        </p:sp>
-        <p:sp>
-          <p:nvSpPr>
-            <p:cNvPr id="23" name="Rectangle 22"/>
-            <p:cNvSpPr/>
-            <p:nvPr/>
-          </p:nvSpPr>
-          <p:spPr>
-            <a:xfrm>
-              <a:off x="1835696" y="764704"/>
-              <a:ext cx="216024" cy="1080120"/>
-            </a:xfrm>
-            <a:prstGeom prst="rect">
-              <a:avLst/>
-            </a:prstGeom>
-            <a:noFill/>
-            <a:ln>
-              <a:solidFill>
-                <a:schemeClr val="tx1"/>
-              </a:solidFill>
-            </a:ln>
-          </p:spPr>
-          <p:style>
-            <a:lnRef idx="2">
-              <a:schemeClr val="accent1">
-                <a:shade val="50000"/>
-              </a:schemeClr>
-            </a:lnRef>
-            <a:fillRef idx="1">
-              <a:schemeClr val="accent1"/>
-            </a:fillRef>
-            <a:effectRef idx="0">
-              <a:schemeClr val="accent1"/>
-            </a:effectRef>
-            <a:fontRef idx="minor">
-              <a:schemeClr val="lt1"/>
-            </a:fontRef>
-          </p:style>
-          <p:txBody>
-            <a:bodyPr rtlCol="0" anchor="ctr"/>
-            <a:lstStyle/>
-            <a:p>
-              <a:pPr algn="ctr"/>
-              <a:endParaRPr lang="en-US" b="1">
-                <a:latin typeface="Courier New" panose="02070309020205020404" pitchFamily="49" charset="0"/>
-                <a:cs typeface="Courier New" panose="02070309020205020404" pitchFamily="49" charset="0"/>
-              </a:endParaRPr>
-            </a:p>
-          </p:txBody>
-        </p:sp>
-      </p:grpSp>
       <p:cxnSp>
         <p:nvCxnSpPr>
           <p:cNvPr id="25" name="Straight Arrow Connector 24"/>
@@ -4925,6 +4440,331 @@
           </a:fontRef>
         </p:style>
       </p:cxnSp>
+      <p:sp>
+        <p:nvSpPr>
+          <p:cNvPr id="44" name="Rectangle 43"/>
+          <p:cNvSpPr/>
+          <p:nvPr/>
+        </p:nvSpPr>
+        <p:spPr>
+          <a:xfrm>
+            <a:off x="5300155" y="2946623"/>
+            <a:ext cx="2160240" cy="1427181"/>
+          </a:xfrm>
+          <a:prstGeom prst="rect">
+            <a:avLst/>
+          </a:prstGeom>
+          <a:noFill/>
+          <a:ln w="63500">
+            <a:solidFill>
+              <a:srgbClr val="FF0000"/>
+            </a:solidFill>
+          </a:ln>
+        </p:spPr>
+        <p:style>
+          <a:lnRef idx="2">
+            <a:schemeClr val="accent1">
+              <a:shade val="50000"/>
+            </a:schemeClr>
+          </a:lnRef>
+          <a:fillRef idx="1">
+            <a:schemeClr val="accent1"/>
+          </a:fillRef>
+          <a:effectRef idx="0">
+            <a:schemeClr val="accent1"/>
+          </a:effectRef>
+          <a:fontRef idx="minor">
+            <a:schemeClr val="lt1"/>
+          </a:fontRef>
+        </p:style>
+        <p:txBody>
+          <a:bodyPr rtlCol="0" anchor="ctr"/>
+          <a:lstStyle/>
+          <a:p>
+            <a:pPr algn="ctr"/>
+            <a:endParaRPr lang="en-US"/>
+          </a:p>
+        </p:txBody>
+      </p:sp>
+      <p:cxnSp>
+        <p:nvCxnSpPr>
+          <p:cNvPr id="45" name="Straight Arrow Connector 44"/>
+          <p:cNvCxnSpPr/>
+          <p:nvPr/>
+        </p:nvCxnSpPr>
+        <p:spPr>
+          <a:xfrm flipV="1">
+            <a:off x="4269333" y="3933057"/>
+            <a:ext cx="878731" cy="792087"/>
+          </a:xfrm>
+          <a:prstGeom prst="straightConnector1">
+            <a:avLst/>
+          </a:prstGeom>
+          <a:ln w="50800">
+            <a:solidFill>
+              <a:srgbClr val="FF0000"/>
+            </a:solidFill>
+            <a:tailEnd type="arrow"/>
+          </a:ln>
+        </p:spPr>
+        <p:style>
+          <a:lnRef idx="1">
+            <a:schemeClr val="accent1"/>
+          </a:lnRef>
+          <a:fillRef idx="0">
+            <a:schemeClr val="accent1"/>
+          </a:fillRef>
+          <a:effectRef idx="0">
+            <a:schemeClr val="accent1"/>
+          </a:effectRef>
+          <a:fontRef idx="minor">
+            <a:schemeClr val="tx1"/>
+          </a:fontRef>
+        </p:style>
+      </p:cxnSp>
+      <p:sp>
+        <p:nvSpPr>
+          <p:cNvPr id="48" name="TextBox 47"/>
+          <p:cNvSpPr txBox="1"/>
+          <p:nvPr/>
+        </p:nvSpPr>
+        <p:spPr>
+          <a:xfrm>
+            <a:off x="3441241" y="4754314"/>
+            <a:ext cx="1067921" cy="523220"/>
+          </a:xfrm>
+          <a:prstGeom prst="rect">
+            <a:avLst/>
+          </a:prstGeom>
+          <a:noFill/>
+        </p:spPr>
+        <p:txBody>
+          <a:bodyPr wrap="none" rtlCol="0">
+            <a:spAutoFit/>
+          </a:bodyPr>
+          <a:lstStyle/>
+          <a:p>
+            <a:r>
+              <a:rPr lang="en-US" sz="2800" dirty="0" smtClean="0">
+                <a:solidFill>
+                  <a:srgbClr val="FF0000"/>
+                </a:solidFill>
+              </a:rPr>
+              <a:t>Origin</a:t>
+            </a:r>
+            <a:endParaRPr lang="en-US" sz="2800" b="1" dirty="0">
+              <a:solidFill>
+                <a:srgbClr val="FF0000"/>
+              </a:solidFill>
+              <a:latin typeface="Courier New" panose="02070309020205020404" pitchFamily="49" charset="0"/>
+              <a:cs typeface="Courier New" panose="02070309020205020404" pitchFamily="49" charset="0"/>
+            </a:endParaRPr>
+          </a:p>
+        </p:txBody>
+      </p:sp>
+    </p:spTree>
+    <p:extLst>
+      <p:ext uri="{BB962C8B-B14F-4D97-AF65-F5344CB8AC3E}">
+        <p14:creationId xmlns:p14="http://schemas.microsoft.com/office/powerpoint/2010/main" val="566891864"/>
+      </p:ext>
+    </p:extLst>
+  </p:cSld>
+  <p:clrMapOvr>
+    <a:masterClrMapping/>
+  </p:clrMapOvr>
+</p:sld>
+</file>
+
+<file path=ppt/slides/slide4.xml><?xml version="1.0" encoding="utf-8"?>
+<p:sld xmlns:a="http://schemas.openxmlformats.org/drawingml/2006/main" xmlns:r="http://schemas.openxmlformats.org/officeDocument/2006/relationships" xmlns:p="http://schemas.openxmlformats.org/presentationml/2006/main">
+  <p:cSld>
+    <p:spTree>
+      <p:nvGrpSpPr>
+        <p:cNvPr id="1" name=""/>
+        <p:cNvGrpSpPr/>
+        <p:nvPr/>
+      </p:nvGrpSpPr>
+      <p:grpSpPr>
+        <a:xfrm>
+          <a:off x="0" y="0"/>
+          <a:ext cx="0" cy="0"/>
+          <a:chOff x="0" y="0"/>
+          <a:chExt cx="0" cy="0"/>
+        </a:xfrm>
+      </p:grpSpPr>
+      <p:grpSp>
+        <p:nvGrpSpPr>
+          <p:cNvPr id="12" name="Group 11"/>
+          <p:cNvGrpSpPr/>
+          <p:nvPr/>
+        </p:nvGrpSpPr>
+        <p:grpSpPr>
+          <a:xfrm>
+            <a:off x="3450595" y="2096852"/>
+            <a:ext cx="1872208" cy="1080120"/>
+            <a:chOff x="1835696" y="764704"/>
+            <a:chExt cx="1872208" cy="1080120"/>
+          </a:xfrm>
+        </p:grpSpPr>
+        <p:sp>
+          <p:nvSpPr>
+            <p:cNvPr id="13" name="Rectangle 12"/>
+            <p:cNvSpPr/>
+            <p:nvPr/>
+          </p:nvSpPr>
+          <p:spPr>
+            <a:xfrm>
+              <a:off x="1835696" y="764704"/>
+              <a:ext cx="1872208" cy="1080120"/>
+            </a:xfrm>
+            <a:prstGeom prst="rect">
+              <a:avLst/>
+            </a:prstGeom>
+            <a:solidFill>
+              <a:schemeClr val="bg1">
+                <a:lumMod val="95000"/>
+              </a:schemeClr>
+            </a:solidFill>
+            <a:ln>
+              <a:solidFill>
+                <a:schemeClr val="tx1"/>
+              </a:solidFill>
+            </a:ln>
+          </p:spPr>
+          <p:style>
+            <a:lnRef idx="2">
+              <a:schemeClr val="accent1">
+                <a:shade val="50000"/>
+              </a:schemeClr>
+            </a:lnRef>
+            <a:fillRef idx="1">
+              <a:schemeClr val="accent1"/>
+            </a:fillRef>
+            <a:effectRef idx="0">
+              <a:schemeClr val="accent1"/>
+            </a:effectRef>
+            <a:fontRef idx="minor">
+              <a:schemeClr val="lt1"/>
+            </a:fontRef>
+          </p:style>
+          <p:txBody>
+            <a:bodyPr rtlCol="0" anchor="ctr"/>
+            <a:lstStyle/>
+            <a:p>
+              <a:pPr algn="ctr"/>
+              <a:endParaRPr lang="en-US" b="1">
+                <a:latin typeface="Courier New" panose="02070309020205020404" pitchFamily="49" charset="0"/>
+                <a:cs typeface="Courier New" panose="02070309020205020404" pitchFamily="49" charset="0"/>
+              </a:endParaRPr>
+            </a:p>
+          </p:txBody>
+        </p:sp>
+        <p:sp>
+          <p:nvSpPr>
+            <p:cNvPr id="14" name="Rectangle 13"/>
+            <p:cNvSpPr/>
+            <p:nvPr/>
+          </p:nvSpPr>
+          <p:spPr>
+            <a:xfrm>
+              <a:off x="1835696" y="764704"/>
+              <a:ext cx="1872208" cy="216024"/>
+            </a:xfrm>
+            <a:prstGeom prst="rect">
+              <a:avLst/>
+            </a:prstGeom>
+            <a:solidFill>
+              <a:schemeClr val="accent5">
+                <a:lumMod val="75000"/>
+              </a:schemeClr>
+            </a:solidFill>
+            <a:ln>
+              <a:solidFill>
+                <a:schemeClr val="tx1"/>
+              </a:solidFill>
+            </a:ln>
+          </p:spPr>
+          <p:style>
+            <a:lnRef idx="2">
+              <a:schemeClr val="accent1">
+                <a:shade val="50000"/>
+              </a:schemeClr>
+            </a:lnRef>
+            <a:fillRef idx="1">
+              <a:schemeClr val="accent1"/>
+            </a:fillRef>
+            <a:effectRef idx="0">
+              <a:schemeClr val="accent1"/>
+            </a:effectRef>
+            <a:fontRef idx="minor">
+              <a:schemeClr val="lt1"/>
+            </a:fontRef>
+          </p:style>
+          <p:txBody>
+            <a:bodyPr rtlCol="0" anchor="ctr"/>
+            <a:lstStyle/>
+            <a:p>
+              <a:pPr algn="ctr"/>
+              <a:r>
+                <a:rPr lang="en-US" b="1" dirty="0">
+                  <a:latin typeface="Courier New" panose="02070309020205020404" pitchFamily="49" charset="0"/>
+                  <a:cs typeface="Courier New" panose="02070309020205020404" pitchFamily="49" charset="0"/>
+                </a:rPr>
+                <a:t>.</a:t>
+              </a:r>
+            </a:p>
+          </p:txBody>
+        </p:sp>
+        <p:sp>
+          <p:nvSpPr>
+            <p:cNvPr id="15" name="Rectangle 14"/>
+            <p:cNvSpPr/>
+            <p:nvPr/>
+          </p:nvSpPr>
+          <p:spPr>
+            <a:xfrm>
+              <a:off x="1835696" y="764704"/>
+              <a:ext cx="216024" cy="1080120"/>
+            </a:xfrm>
+            <a:prstGeom prst="rect">
+              <a:avLst/>
+            </a:prstGeom>
+            <a:noFill/>
+            <a:ln>
+              <a:solidFill>
+                <a:schemeClr val="tx1"/>
+              </a:solidFill>
+            </a:ln>
+          </p:spPr>
+          <p:style>
+            <a:lnRef idx="2">
+              <a:schemeClr val="accent1">
+                <a:shade val="50000"/>
+              </a:schemeClr>
+            </a:lnRef>
+            <a:fillRef idx="1">
+              <a:schemeClr val="accent1"/>
+            </a:fillRef>
+            <a:effectRef idx="0">
+              <a:schemeClr val="accent1"/>
+            </a:effectRef>
+            <a:fontRef idx="minor">
+              <a:schemeClr val="lt1"/>
+            </a:fontRef>
+          </p:style>
+          <p:txBody>
+            <a:bodyPr rtlCol="0" anchor="ctr"/>
+            <a:lstStyle/>
+            <a:p>
+              <a:pPr algn="ctr"/>
+              <a:endParaRPr lang="en-US" b="1">
+                <a:latin typeface="Courier New" panose="02070309020205020404" pitchFamily="49" charset="0"/>
+                <a:cs typeface="Courier New" panose="02070309020205020404" pitchFamily="49" charset="0"/>
+              </a:endParaRPr>
+            </a:p>
+          </p:txBody>
+        </p:sp>
+      </p:grpSp>
       <p:grpSp>
         <p:nvGrpSpPr>
           <p:cNvPr id="30" name="Group 29"/>
@@ -5110,8 +4950,8 @@
         </p:nvCxnSpPr>
         <p:spPr>
           <a:xfrm flipV="1">
-            <a:off x="5205437" y="1052737"/>
-            <a:ext cx="1094755" cy="599088"/>
+            <a:off x="5220072" y="1052738"/>
+            <a:ext cx="1080120" cy="936102"/>
           </a:xfrm>
           <a:prstGeom prst="straightConnector1">
             <a:avLst/>
@@ -5138,210 +4978,6 @@
           </a:fontRef>
         </p:style>
       </p:cxnSp>
-      <p:cxnSp>
-        <p:nvCxnSpPr>
-          <p:cNvPr id="37" name="Straight Arrow Connector 36"/>
-          <p:cNvCxnSpPr/>
-          <p:nvPr/>
-        </p:nvCxnSpPr>
-        <p:spPr>
-          <a:xfrm flipH="1" flipV="1">
-            <a:off x="6596299" y="4293096"/>
-            <a:ext cx="495981" cy="432048"/>
-          </a:xfrm>
-          <a:prstGeom prst="straightConnector1">
-            <a:avLst/>
-          </a:prstGeom>
-          <a:ln w="50800">
-            <a:solidFill>
-              <a:schemeClr val="tx1"/>
-            </a:solidFill>
-            <a:tailEnd type="arrow"/>
-          </a:ln>
-        </p:spPr>
-        <p:style>
-          <a:lnRef idx="1">
-            <a:schemeClr val="accent1"/>
-          </a:lnRef>
-          <a:fillRef idx="0">
-            <a:schemeClr val="accent1"/>
-          </a:fillRef>
-          <a:effectRef idx="0">
-            <a:schemeClr val="accent1"/>
-          </a:effectRef>
-          <a:fontRef idx="minor">
-            <a:schemeClr val="tx1"/>
-          </a:fontRef>
-        </p:style>
-      </p:cxnSp>
-      <p:cxnSp>
-        <p:nvCxnSpPr>
-          <p:cNvPr id="40" name="Straight Arrow Connector 39"/>
-          <p:cNvCxnSpPr/>
-          <p:nvPr/>
-        </p:nvCxnSpPr>
-        <p:spPr>
-          <a:xfrm flipV="1">
-            <a:off x="2699792" y="2407909"/>
-            <a:ext cx="504057" cy="589043"/>
-          </a:xfrm>
-          <a:prstGeom prst="straightConnector1">
-            <a:avLst/>
-          </a:prstGeom>
-          <a:ln w="50800">
-            <a:solidFill>
-              <a:schemeClr val="tx1"/>
-            </a:solidFill>
-            <a:tailEnd type="arrow"/>
-          </a:ln>
-        </p:spPr>
-        <p:style>
-          <a:lnRef idx="1">
-            <a:schemeClr val="accent1"/>
-          </a:lnRef>
-          <a:fillRef idx="0">
-            <a:schemeClr val="accent1"/>
-          </a:fillRef>
-          <a:effectRef idx="0">
-            <a:schemeClr val="accent1"/>
-          </a:effectRef>
-          <a:fontRef idx="minor">
-            <a:schemeClr val="tx1"/>
-          </a:fontRef>
-        </p:style>
-      </p:cxnSp>
-      <p:sp>
-        <p:nvSpPr>
-          <p:cNvPr id="44" name="Rectangle 43"/>
-          <p:cNvSpPr/>
-          <p:nvPr/>
-        </p:nvSpPr>
-        <p:spPr>
-          <a:xfrm>
-            <a:off x="6236259" y="4610642"/>
-            <a:ext cx="2160240" cy="1427181"/>
-          </a:xfrm>
-          <a:prstGeom prst="rect">
-            <a:avLst/>
-          </a:prstGeom>
-          <a:noFill/>
-          <a:ln w="63500">
-            <a:solidFill>
-              <a:srgbClr val="FF0000"/>
-            </a:solidFill>
-          </a:ln>
-        </p:spPr>
-        <p:style>
-          <a:lnRef idx="2">
-            <a:schemeClr val="accent1">
-              <a:shade val="50000"/>
-            </a:schemeClr>
-          </a:lnRef>
-          <a:fillRef idx="1">
-            <a:schemeClr val="accent1"/>
-          </a:fillRef>
-          <a:effectRef idx="0">
-            <a:schemeClr val="accent1"/>
-          </a:effectRef>
-          <a:fontRef idx="minor">
-            <a:schemeClr val="lt1"/>
-          </a:fontRef>
-        </p:style>
-        <p:txBody>
-          <a:bodyPr rtlCol="0" anchor="ctr"/>
-          <a:lstStyle/>
-          <a:p>
-            <a:pPr algn="ctr"/>
-            <a:endParaRPr lang="en-US"/>
-          </a:p>
-        </p:txBody>
-      </p:sp>
-      <p:cxnSp>
-        <p:nvCxnSpPr>
-          <p:cNvPr id="45" name="Straight Arrow Connector 44"/>
-          <p:cNvCxnSpPr/>
-          <p:nvPr/>
-        </p:nvCxnSpPr>
-        <p:spPr>
-          <a:xfrm>
-            <a:off x="4485357" y="5260931"/>
-            <a:ext cx="1440160" cy="4646"/>
-          </a:xfrm>
-          <a:prstGeom prst="straightConnector1">
-            <a:avLst/>
-          </a:prstGeom>
-          <a:ln w="50800">
-            <a:solidFill>
-              <a:srgbClr val="FF0000"/>
-            </a:solidFill>
-            <a:tailEnd type="arrow"/>
-          </a:ln>
-        </p:spPr>
-        <p:style>
-          <a:lnRef idx="1">
-            <a:schemeClr val="accent1"/>
-          </a:lnRef>
-          <a:fillRef idx="0">
-            <a:schemeClr val="accent1"/>
-          </a:fillRef>
-          <a:effectRef idx="0">
-            <a:schemeClr val="accent1"/>
-          </a:effectRef>
-          <a:fontRef idx="minor">
-            <a:schemeClr val="tx1"/>
-          </a:fontRef>
-        </p:style>
-      </p:cxnSp>
-      <p:sp>
-        <p:nvSpPr>
-          <p:cNvPr id="48" name="TextBox 47"/>
-          <p:cNvSpPr txBox="1"/>
-          <p:nvPr/>
-        </p:nvSpPr>
-        <p:spPr>
-          <a:xfrm>
-            <a:off x="1869818" y="4999321"/>
-            <a:ext cx="2632324" cy="523220"/>
-          </a:xfrm>
-          <a:prstGeom prst="rect">
-            <a:avLst/>
-          </a:prstGeom>
-          <a:noFill/>
-        </p:spPr>
-        <p:txBody>
-          <a:bodyPr wrap="none" rtlCol="0">
-            <a:spAutoFit/>
-          </a:bodyPr>
-          <a:lstStyle/>
-          <a:p>
-            <a:r>
-              <a:rPr lang="en-US" sz="2800" dirty="0" smtClean="0">
-                <a:solidFill>
-                  <a:srgbClr val="FF0000"/>
-                </a:solidFill>
-              </a:rPr>
-              <a:t>Focus on </a:t>
-            </a:r>
-            <a:r>
-              <a:rPr lang="en-US" sz="2800" b="1" dirty="0" err="1" smtClean="0">
-                <a:solidFill>
-                  <a:srgbClr val="FF0000"/>
-                </a:solidFill>
-                <a:latin typeface="Courier New" panose="02070309020205020404" pitchFamily="49" charset="0"/>
-                <a:cs typeface="Courier New" panose="02070309020205020404" pitchFamily="49" charset="0"/>
-              </a:rPr>
-              <a:t>a.b.d</a:t>
-            </a:r>
-            <a:endParaRPr lang="en-US" sz="2800" b="1" dirty="0">
-              <a:solidFill>
-                <a:srgbClr val="FF0000"/>
-              </a:solidFill>
-              <a:latin typeface="Courier New" panose="02070309020205020404" pitchFamily="49" charset="0"/>
-              <a:cs typeface="Courier New" panose="02070309020205020404" pitchFamily="49" charset="0"/>
-            </a:endParaRPr>
-          </a:p>
-        </p:txBody>
-      </p:sp>
     </p:spTree>
     <p:extLst>
       <p:ext uri="{BB962C8B-B14F-4D97-AF65-F5344CB8AC3E}">
@@ -5355,7 +4991,7 @@
 </p:sld>
 </file>
 
-<file path=ppt/slides/slide4.xml><?xml version="1.0" encoding="utf-8"?>
+<file path=ppt/slides/slide5.xml><?xml version="1.0" encoding="utf-8"?>
 <p:sld xmlns:a="http://schemas.openxmlformats.org/drawingml/2006/main" xmlns:r="http://schemas.openxmlformats.org/officeDocument/2006/relationships" xmlns:p="http://schemas.openxmlformats.org/presentationml/2006/main">
   <p:cSld>
     <p:spTree>
@@ -5374,190 +5010,13 @@
       </p:grpSpPr>
       <p:grpSp>
         <p:nvGrpSpPr>
-          <p:cNvPr id="11" name="Group 10"/>
-          <p:cNvGrpSpPr/>
-          <p:nvPr/>
-        </p:nvGrpSpPr>
-        <p:grpSpPr>
-          <a:xfrm>
-            <a:off x="5444171" y="3120154"/>
-            <a:ext cx="1872208" cy="1080120"/>
-            <a:chOff x="1835696" y="764704"/>
-            <a:chExt cx="1872208" cy="1080120"/>
-          </a:xfrm>
-        </p:grpSpPr>
-        <p:sp>
-          <p:nvSpPr>
-            <p:cNvPr id="4" name="Rectangle 3"/>
-            <p:cNvSpPr/>
-            <p:nvPr/>
-          </p:nvSpPr>
-          <p:spPr>
-            <a:xfrm>
-              <a:off x="1835696" y="764704"/>
-              <a:ext cx="1872208" cy="1080120"/>
-            </a:xfrm>
-            <a:prstGeom prst="rect">
-              <a:avLst/>
-            </a:prstGeom>
-            <a:solidFill>
-              <a:schemeClr val="bg1">
-                <a:lumMod val="95000"/>
-              </a:schemeClr>
-            </a:solidFill>
-            <a:ln>
-              <a:solidFill>
-                <a:schemeClr val="tx1"/>
-              </a:solidFill>
-            </a:ln>
-          </p:spPr>
-          <p:style>
-            <a:lnRef idx="2">
-              <a:schemeClr val="accent1">
-                <a:shade val="50000"/>
-              </a:schemeClr>
-            </a:lnRef>
-            <a:fillRef idx="1">
-              <a:schemeClr val="accent1"/>
-            </a:fillRef>
-            <a:effectRef idx="0">
-              <a:schemeClr val="accent1"/>
-            </a:effectRef>
-            <a:fontRef idx="minor">
-              <a:schemeClr val="lt1"/>
-            </a:fontRef>
-          </p:style>
-          <p:txBody>
-            <a:bodyPr rtlCol="0" anchor="ctr"/>
-            <a:lstStyle/>
-            <a:p>
-              <a:pPr algn="ctr"/>
-              <a:endParaRPr lang="en-US" b="1">
-                <a:latin typeface="Courier New" panose="02070309020205020404" pitchFamily="49" charset="0"/>
-                <a:cs typeface="Courier New" panose="02070309020205020404" pitchFamily="49" charset="0"/>
-              </a:endParaRPr>
-            </a:p>
-          </p:txBody>
-        </p:sp>
-        <p:sp>
-          <p:nvSpPr>
-            <p:cNvPr id="5" name="Rectangle 4"/>
-            <p:cNvSpPr/>
-            <p:nvPr/>
-          </p:nvSpPr>
-          <p:spPr>
-            <a:xfrm>
-              <a:off x="1835696" y="764704"/>
-              <a:ext cx="1872208" cy="216024"/>
-            </a:xfrm>
-            <a:prstGeom prst="rect">
-              <a:avLst/>
-            </a:prstGeom>
-            <a:solidFill>
-              <a:schemeClr val="accent5">
-                <a:lumMod val="75000"/>
-              </a:schemeClr>
-            </a:solidFill>
-            <a:ln>
-              <a:solidFill>
-                <a:schemeClr val="tx1"/>
-              </a:solidFill>
-            </a:ln>
-          </p:spPr>
-          <p:style>
-            <a:lnRef idx="2">
-              <a:schemeClr val="accent1">
-                <a:shade val="50000"/>
-              </a:schemeClr>
-            </a:lnRef>
-            <a:fillRef idx="1">
-              <a:schemeClr val="accent1"/>
-            </a:fillRef>
-            <a:effectRef idx="0">
-              <a:schemeClr val="accent1"/>
-            </a:effectRef>
-            <a:fontRef idx="minor">
-              <a:schemeClr val="lt1"/>
-            </a:fontRef>
-          </p:style>
-          <p:txBody>
-            <a:bodyPr rtlCol="0" anchor="ctr"/>
-            <a:lstStyle/>
-            <a:p>
-              <a:pPr algn="ctr"/>
-              <a:r>
-                <a:rPr lang="en-US" b="1" dirty="0" err="1" smtClean="0">
-                  <a:latin typeface="Courier New" panose="02070309020205020404" pitchFamily="49" charset="0"/>
-                  <a:cs typeface="Courier New" panose="02070309020205020404" pitchFamily="49" charset="0"/>
-                </a:rPr>
-                <a:t>a.b</a:t>
-              </a:r>
-              <a:endParaRPr lang="en-US" b="1" dirty="0">
-                <a:latin typeface="Courier New" panose="02070309020205020404" pitchFamily="49" charset="0"/>
-                <a:cs typeface="Courier New" panose="02070309020205020404" pitchFamily="49" charset="0"/>
-              </a:endParaRPr>
-            </a:p>
-          </p:txBody>
-        </p:sp>
-        <p:sp>
-          <p:nvSpPr>
-            <p:cNvPr id="7" name="Rectangle 6"/>
-            <p:cNvSpPr/>
-            <p:nvPr/>
-          </p:nvSpPr>
-          <p:spPr>
-            <a:xfrm>
-              <a:off x="1835696" y="764704"/>
-              <a:ext cx="216024" cy="1080120"/>
-            </a:xfrm>
-            <a:prstGeom prst="rect">
-              <a:avLst/>
-            </a:prstGeom>
-            <a:noFill/>
-            <a:ln>
-              <a:solidFill>
-                <a:schemeClr val="tx1"/>
-              </a:solidFill>
-            </a:ln>
-          </p:spPr>
-          <p:style>
-            <a:lnRef idx="2">
-              <a:schemeClr val="accent1">
-                <a:shade val="50000"/>
-              </a:schemeClr>
-            </a:lnRef>
-            <a:fillRef idx="1">
-              <a:schemeClr val="accent1"/>
-            </a:fillRef>
-            <a:effectRef idx="0">
-              <a:schemeClr val="accent1"/>
-            </a:effectRef>
-            <a:fontRef idx="minor">
-              <a:schemeClr val="lt1"/>
-            </a:fontRef>
-          </p:style>
-          <p:txBody>
-            <a:bodyPr rtlCol="0" anchor="ctr"/>
-            <a:lstStyle/>
-            <a:p>
-              <a:pPr algn="ctr"/>
-              <a:endParaRPr lang="en-US" b="1">
-                <a:latin typeface="Courier New" panose="02070309020205020404" pitchFamily="49" charset="0"/>
-                <a:cs typeface="Courier New" panose="02070309020205020404" pitchFamily="49" charset="0"/>
-              </a:endParaRPr>
-            </a:p>
-          </p:txBody>
-        </p:sp>
-      </p:grpSp>
-      <p:grpSp>
-        <p:nvGrpSpPr>
           <p:cNvPr id="12" name="Group 11"/>
           <p:cNvGrpSpPr/>
           <p:nvPr/>
         </p:nvGrpSpPr>
         <p:grpSpPr>
           <a:xfrm>
-            <a:off x="3333229" y="1543813"/>
+            <a:off x="3450595" y="2096852"/>
             <a:ext cx="1872208" cy="1080120"/>
             <a:chOff x="1835696" y="764704"/>
             <a:chExt cx="1872208" cy="1080120"/>
@@ -5722,396 +5181,6 @@
           </p:txBody>
         </p:sp>
       </p:grpSp>
-      <p:grpSp>
-        <p:nvGrpSpPr>
-          <p:cNvPr id="16" name="Group 15"/>
-          <p:cNvGrpSpPr/>
-          <p:nvPr/>
-        </p:nvGrpSpPr>
-        <p:grpSpPr>
-          <a:xfrm>
-            <a:off x="6380275" y="4784173"/>
-            <a:ext cx="1872208" cy="1080120"/>
-            <a:chOff x="1835696" y="764704"/>
-            <a:chExt cx="1872208" cy="1080120"/>
-          </a:xfrm>
-        </p:grpSpPr>
-        <p:sp>
-          <p:nvSpPr>
-            <p:cNvPr id="17" name="Rectangle 16"/>
-            <p:cNvSpPr/>
-            <p:nvPr/>
-          </p:nvSpPr>
-          <p:spPr>
-            <a:xfrm>
-              <a:off x="1835696" y="764704"/>
-              <a:ext cx="1872208" cy="1080120"/>
-            </a:xfrm>
-            <a:prstGeom prst="rect">
-              <a:avLst/>
-            </a:prstGeom>
-            <a:solidFill>
-              <a:schemeClr val="bg1">
-                <a:lumMod val="95000"/>
-              </a:schemeClr>
-            </a:solidFill>
-            <a:ln>
-              <a:solidFill>
-                <a:schemeClr val="tx1"/>
-              </a:solidFill>
-            </a:ln>
-          </p:spPr>
-          <p:style>
-            <a:lnRef idx="2">
-              <a:schemeClr val="accent1">
-                <a:shade val="50000"/>
-              </a:schemeClr>
-            </a:lnRef>
-            <a:fillRef idx="1">
-              <a:schemeClr val="accent1"/>
-            </a:fillRef>
-            <a:effectRef idx="0">
-              <a:schemeClr val="accent1"/>
-            </a:effectRef>
-            <a:fontRef idx="minor">
-              <a:schemeClr val="lt1"/>
-            </a:fontRef>
-          </p:style>
-          <p:txBody>
-            <a:bodyPr rtlCol="0" anchor="ctr"/>
-            <a:lstStyle/>
-            <a:p>
-              <a:pPr algn="ctr"/>
-              <a:endParaRPr lang="en-US" b="1">
-                <a:latin typeface="Courier New" panose="02070309020205020404" pitchFamily="49" charset="0"/>
-                <a:cs typeface="Courier New" panose="02070309020205020404" pitchFamily="49" charset="0"/>
-              </a:endParaRPr>
-            </a:p>
-          </p:txBody>
-        </p:sp>
-        <p:sp>
-          <p:nvSpPr>
-            <p:cNvPr id="18" name="Rectangle 17"/>
-            <p:cNvSpPr/>
-            <p:nvPr/>
-          </p:nvSpPr>
-          <p:spPr>
-            <a:xfrm>
-              <a:off x="1835696" y="764704"/>
-              <a:ext cx="1872208" cy="216024"/>
-            </a:xfrm>
-            <a:prstGeom prst="rect">
-              <a:avLst/>
-            </a:prstGeom>
-            <a:solidFill>
-              <a:schemeClr val="accent5">
-                <a:lumMod val="75000"/>
-              </a:schemeClr>
-            </a:solidFill>
-            <a:ln>
-              <a:solidFill>
-                <a:schemeClr val="tx1"/>
-              </a:solidFill>
-            </a:ln>
-          </p:spPr>
-          <p:style>
-            <a:lnRef idx="2">
-              <a:schemeClr val="accent1">
-                <a:shade val="50000"/>
-              </a:schemeClr>
-            </a:lnRef>
-            <a:fillRef idx="1">
-              <a:schemeClr val="accent1"/>
-            </a:fillRef>
-            <a:effectRef idx="0">
-              <a:schemeClr val="accent1"/>
-            </a:effectRef>
-            <a:fontRef idx="minor">
-              <a:schemeClr val="lt1"/>
-            </a:fontRef>
-          </p:style>
-          <p:txBody>
-            <a:bodyPr rtlCol="0" anchor="ctr"/>
-            <a:lstStyle/>
-            <a:p>
-              <a:pPr algn="ctr"/>
-              <a:r>
-                <a:rPr lang="en-US" b="1" dirty="0" err="1" smtClean="0">
-                  <a:latin typeface="Courier New" panose="02070309020205020404" pitchFamily="49" charset="0"/>
-                  <a:cs typeface="Courier New" panose="02070309020205020404" pitchFamily="49" charset="0"/>
-                </a:rPr>
-                <a:t>a.b.d</a:t>
-              </a:r>
-              <a:endParaRPr lang="en-US" b="1" dirty="0">
-                <a:latin typeface="Courier New" panose="02070309020205020404" pitchFamily="49" charset="0"/>
-                <a:cs typeface="Courier New" panose="02070309020205020404" pitchFamily="49" charset="0"/>
-              </a:endParaRPr>
-            </a:p>
-          </p:txBody>
-        </p:sp>
-        <p:sp>
-          <p:nvSpPr>
-            <p:cNvPr id="19" name="Rectangle 18"/>
-            <p:cNvSpPr/>
-            <p:nvPr/>
-          </p:nvSpPr>
-          <p:spPr>
-            <a:xfrm>
-              <a:off x="1835696" y="764704"/>
-              <a:ext cx="216024" cy="1080120"/>
-            </a:xfrm>
-            <a:prstGeom prst="rect">
-              <a:avLst/>
-            </a:prstGeom>
-            <a:noFill/>
-            <a:ln>
-              <a:solidFill>
-                <a:schemeClr val="tx1"/>
-              </a:solidFill>
-            </a:ln>
-          </p:spPr>
-          <p:style>
-            <a:lnRef idx="2">
-              <a:schemeClr val="accent1">
-                <a:shade val="50000"/>
-              </a:schemeClr>
-            </a:lnRef>
-            <a:fillRef idx="1">
-              <a:schemeClr val="accent1"/>
-            </a:fillRef>
-            <a:effectRef idx="0">
-              <a:schemeClr val="accent1"/>
-            </a:effectRef>
-            <a:fontRef idx="minor">
-              <a:schemeClr val="lt1"/>
-            </a:fontRef>
-          </p:style>
-          <p:txBody>
-            <a:bodyPr rtlCol="0" anchor="ctr"/>
-            <a:lstStyle/>
-            <a:p>
-              <a:pPr algn="ctr"/>
-              <a:endParaRPr lang="en-US" b="1">
-                <a:latin typeface="Courier New" panose="02070309020205020404" pitchFamily="49" charset="0"/>
-                <a:cs typeface="Courier New" panose="02070309020205020404" pitchFamily="49" charset="0"/>
-              </a:endParaRPr>
-            </a:p>
-          </p:txBody>
-        </p:sp>
-      </p:grpSp>
-      <p:grpSp>
-        <p:nvGrpSpPr>
-          <p:cNvPr id="20" name="Group 19"/>
-          <p:cNvGrpSpPr/>
-          <p:nvPr/>
-        </p:nvGrpSpPr>
-        <p:grpSpPr>
-          <a:xfrm>
-            <a:off x="1821061" y="3068960"/>
-            <a:ext cx="1872208" cy="1080120"/>
-            <a:chOff x="1835696" y="764704"/>
-            <a:chExt cx="1872208" cy="1080120"/>
-          </a:xfrm>
-        </p:grpSpPr>
-        <p:sp>
-          <p:nvSpPr>
-            <p:cNvPr id="21" name="Rectangle 20"/>
-            <p:cNvSpPr/>
-            <p:nvPr/>
-          </p:nvSpPr>
-          <p:spPr>
-            <a:xfrm>
-              <a:off x="1835696" y="764704"/>
-              <a:ext cx="1872208" cy="1080120"/>
-            </a:xfrm>
-            <a:prstGeom prst="rect">
-              <a:avLst/>
-            </a:prstGeom>
-            <a:solidFill>
-              <a:schemeClr val="bg1">
-                <a:lumMod val="95000"/>
-              </a:schemeClr>
-            </a:solidFill>
-            <a:ln>
-              <a:solidFill>
-                <a:schemeClr val="tx1"/>
-              </a:solidFill>
-            </a:ln>
-          </p:spPr>
-          <p:style>
-            <a:lnRef idx="2">
-              <a:schemeClr val="accent1">
-                <a:shade val="50000"/>
-              </a:schemeClr>
-            </a:lnRef>
-            <a:fillRef idx="1">
-              <a:schemeClr val="accent1"/>
-            </a:fillRef>
-            <a:effectRef idx="0">
-              <a:schemeClr val="accent1"/>
-            </a:effectRef>
-            <a:fontRef idx="minor">
-              <a:schemeClr val="lt1"/>
-            </a:fontRef>
-          </p:style>
-          <p:txBody>
-            <a:bodyPr rtlCol="0" anchor="ctr"/>
-            <a:lstStyle/>
-            <a:p>
-              <a:pPr algn="ctr"/>
-              <a:endParaRPr lang="en-US" b="1">
-                <a:latin typeface="Courier New" panose="02070309020205020404" pitchFamily="49" charset="0"/>
-                <a:cs typeface="Courier New" panose="02070309020205020404" pitchFamily="49" charset="0"/>
-              </a:endParaRPr>
-            </a:p>
-          </p:txBody>
-        </p:sp>
-        <p:sp>
-          <p:nvSpPr>
-            <p:cNvPr id="22" name="Rectangle 21"/>
-            <p:cNvSpPr/>
-            <p:nvPr/>
-          </p:nvSpPr>
-          <p:spPr>
-            <a:xfrm>
-              <a:off x="1835696" y="764704"/>
-              <a:ext cx="1872208" cy="216024"/>
-            </a:xfrm>
-            <a:prstGeom prst="rect">
-              <a:avLst/>
-            </a:prstGeom>
-            <a:solidFill>
-              <a:schemeClr val="accent5">
-                <a:lumMod val="75000"/>
-              </a:schemeClr>
-            </a:solidFill>
-            <a:ln>
-              <a:solidFill>
-                <a:schemeClr val="tx1"/>
-              </a:solidFill>
-            </a:ln>
-          </p:spPr>
-          <p:style>
-            <a:lnRef idx="2">
-              <a:schemeClr val="accent1">
-                <a:shade val="50000"/>
-              </a:schemeClr>
-            </a:lnRef>
-            <a:fillRef idx="1">
-              <a:schemeClr val="accent1"/>
-            </a:fillRef>
-            <a:effectRef idx="0">
-              <a:schemeClr val="accent1"/>
-            </a:effectRef>
-            <a:fontRef idx="minor">
-              <a:schemeClr val="lt1"/>
-            </a:fontRef>
-          </p:style>
-          <p:txBody>
-            <a:bodyPr rtlCol="0" anchor="ctr"/>
-            <a:lstStyle/>
-            <a:p>
-              <a:pPr algn="ctr"/>
-              <a:r>
-                <a:rPr lang="en-US" b="1" dirty="0" smtClean="0">
-                  <a:latin typeface="Courier New" panose="02070309020205020404" pitchFamily="49" charset="0"/>
-                  <a:cs typeface="Courier New" panose="02070309020205020404" pitchFamily="49" charset="0"/>
-                </a:rPr>
-                <a:t>c</a:t>
-              </a:r>
-              <a:endParaRPr lang="en-US" b="1" dirty="0">
-                <a:latin typeface="Courier New" panose="02070309020205020404" pitchFamily="49" charset="0"/>
-                <a:cs typeface="Courier New" panose="02070309020205020404" pitchFamily="49" charset="0"/>
-              </a:endParaRPr>
-            </a:p>
-          </p:txBody>
-        </p:sp>
-        <p:sp>
-          <p:nvSpPr>
-            <p:cNvPr id="23" name="Rectangle 22"/>
-            <p:cNvSpPr/>
-            <p:nvPr/>
-          </p:nvSpPr>
-          <p:spPr>
-            <a:xfrm>
-              <a:off x="1835696" y="764704"/>
-              <a:ext cx="216024" cy="1080120"/>
-            </a:xfrm>
-            <a:prstGeom prst="rect">
-              <a:avLst/>
-            </a:prstGeom>
-            <a:noFill/>
-            <a:ln>
-              <a:solidFill>
-                <a:schemeClr val="tx1"/>
-              </a:solidFill>
-            </a:ln>
-          </p:spPr>
-          <p:style>
-            <a:lnRef idx="2">
-              <a:schemeClr val="accent1">
-                <a:shade val="50000"/>
-              </a:schemeClr>
-            </a:lnRef>
-            <a:fillRef idx="1">
-              <a:schemeClr val="accent1"/>
-            </a:fillRef>
-            <a:effectRef idx="0">
-              <a:schemeClr val="accent1"/>
-            </a:effectRef>
-            <a:fontRef idx="minor">
-              <a:schemeClr val="lt1"/>
-            </a:fontRef>
-          </p:style>
-          <p:txBody>
-            <a:bodyPr rtlCol="0" anchor="ctr"/>
-            <a:lstStyle/>
-            <a:p>
-              <a:pPr algn="ctr"/>
-              <a:endParaRPr lang="en-US" b="1">
-                <a:latin typeface="Courier New" panose="02070309020205020404" pitchFamily="49" charset="0"/>
-                <a:cs typeface="Courier New" panose="02070309020205020404" pitchFamily="49" charset="0"/>
-              </a:endParaRPr>
-            </a:p>
-          </p:txBody>
-        </p:sp>
-      </p:grpSp>
-      <p:cxnSp>
-        <p:nvCxnSpPr>
-          <p:cNvPr id="25" name="Straight Arrow Connector 24"/>
-          <p:cNvCxnSpPr/>
-          <p:nvPr/>
-        </p:nvCxnSpPr>
-        <p:spPr>
-          <a:xfrm flipH="1" flipV="1">
-            <a:off x="5205437" y="2407909"/>
-            <a:ext cx="720080" cy="661051"/>
-          </a:xfrm>
-          <a:prstGeom prst="straightConnector1">
-            <a:avLst/>
-          </a:prstGeom>
-          <a:ln w="50800">
-            <a:solidFill>
-              <a:schemeClr val="tx1"/>
-            </a:solidFill>
-            <a:tailEnd type="arrow"/>
-          </a:ln>
-        </p:spPr>
-        <p:style>
-          <a:lnRef idx="1">
-            <a:schemeClr val="accent1"/>
-          </a:lnRef>
-          <a:fillRef idx="0">
-            <a:schemeClr val="accent1"/>
-          </a:fillRef>
-          <a:effectRef idx="0">
-            <a:schemeClr val="accent1"/>
-          </a:effectRef>
-          <a:fontRef idx="minor">
-            <a:schemeClr val="tx1"/>
-          </a:fontRef>
-        </p:style>
-      </p:cxnSp>
       <p:grpSp>
         <p:nvGrpSpPr>
           <p:cNvPr id="30" name="Group 29"/>
@@ -6297,8 +5366,8 @@
         </p:nvCxnSpPr>
         <p:spPr>
           <a:xfrm flipV="1">
-            <a:off x="5205437" y="1052737"/>
-            <a:ext cx="1094755" cy="599088"/>
+            <a:off x="5220072" y="1052738"/>
+            <a:ext cx="1080120" cy="936102"/>
           </a:xfrm>
           <a:prstGeom prst="straightConnector1">
             <a:avLst/>
@@ -6325,87 +5394,15 @@
           </a:fontRef>
         </p:style>
       </p:cxnSp>
-      <p:cxnSp>
-        <p:nvCxnSpPr>
-          <p:cNvPr id="37" name="Straight Arrow Connector 36"/>
-          <p:cNvCxnSpPr/>
-          <p:nvPr/>
-        </p:nvCxnSpPr>
-        <p:spPr>
-          <a:xfrm flipH="1" flipV="1">
-            <a:off x="6596299" y="4293096"/>
-            <a:ext cx="495981" cy="432048"/>
-          </a:xfrm>
-          <a:prstGeom prst="straightConnector1">
-            <a:avLst/>
-          </a:prstGeom>
-          <a:ln w="50800">
-            <a:solidFill>
-              <a:schemeClr val="tx1"/>
-            </a:solidFill>
-            <a:tailEnd type="arrow"/>
-          </a:ln>
-        </p:spPr>
-        <p:style>
-          <a:lnRef idx="1">
-            <a:schemeClr val="accent1"/>
-          </a:lnRef>
-          <a:fillRef idx="0">
-            <a:schemeClr val="accent1"/>
-          </a:fillRef>
-          <a:effectRef idx="0">
-            <a:schemeClr val="accent1"/>
-          </a:effectRef>
-          <a:fontRef idx="minor">
-            <a:schemeClr val="tx1"/>
-          </a:fontRef>
-        </p:style>
-      </p:cxnSp>
-      <p:cxnSp>
-        <p:nvCxnSpPr>
-          <p:cNvPr id="40" name="Straight Arrow Connector 39"/>
-          <p:cNvCxnSpPr/>
-          <p:nvPr/>
-        </p:nvCxnSpPr>
-        <p:spPr>
-          <a:xfrm flipV="1">
-            <a:off x="2699792" y="2407909"/>
-            <a:ext cx="504057" cy="589043"/>
-          </a:xfrm>
-          <a:prstGeom prst="straightConnector1">
-            <a:avLst/>
-          </a:prstGeom>
-          <a:ln w="50800">
-            <a:solidFill>
-              <a:schemeClr val="tx1"/>
-            </a:solidFill>
-            <a:tailEnd type="arrow"/>
-          </a:ln>
-        </p:spPr>
-        <p:style>
-          <a:lnRef idx="1">
-            <a:schemeClr val="accent1"/>
-          </a:lnRef>
-          <a:fillRef idx="0">
-            <a:schemeClr val="accent1"/>
-          </a:fillRef>
-          <a:effectRef idx="0">
-            <a:schemeClr val="accent1"/>
-          </a:effectRef>
-          <a:fontRef idx="minor">
-            <a:schemeClr val="tx1"/>
-          </a:fontRef>
-        </p:style>
-      </p:cxnSp>
-      <p:sp>
-        <p:nvSpPr>
-          <p:cNvPr id="44" name="Rectangle 43"/>
+      <p:sp>
+        <p:nvSpPr>
+          <p:cNvPr id="54" name="Rectangle 53"/>
           <p:cNvSpPr/>
           <p:nvPr/>
         </p:nvSpPr>
         <p:spPr>
           <a:xfrm>
-            <a:off x="5300155" y="2946623"/>
+            <a:off x="6225390" y="339147"/>
             <a:ext cx="2160240" cy="1427181"/>
           </a:xfrm>
           <a:prstGeom prst="rect">
@@ -6445,14 +5442,14 @@
       </p:sp>
       <p:cxnSp>
         <p:nvCxnSpPr>
-          <p:cNvPr id="45" name="Straight Arrow Connector 44"/>
+          <p:cNvPr id="55" name="Straight Arrow Connector 54"/>
           <p:cNvCxnSpPr/>
           <p:nvPr/>
         </p:nvCxnSpPr>
         <p:spPr>
           <a:xfrm flipV="1">
-            <a:off x="4269333" y="3933057"/>
-            <a:ext cx="878731" cy="792087"/>
+            <a:off x="5004048" y="728701"/>
+            <a:ext cx="1069251" cy="261609"/>
           </a:xfrm>
           <a:prstGeom prst="straightConnector1">
             <a:avLst/>
@@ -6481,14 +5478,14 @@
       </p:cxnSp>
       <p:sp>
         <p:nvSpPr>
-          <p:cNvPr id="48" name="TextBox 47"/>
+          <p:cNvPr id="56" name="TextBox 55"/>
           <p:cNvSpPr txBox="1"/>
           <p:nvPr/>
         </p:nvSpPr>
         <p:spPr>
           <a:xfrm>
-            <a:off x="2951820" y="4808204"/>
-            <a:ext cx="2202719" cy="523220"/>
+            <a:off x="3852738" y="728700"/>
+            <a:ext cx="1067921" cy="523220"/>
           </a:xfrm>
           <a:prstGeom prst="rect">
             <a:avLst/>
@@ -6507,17 +5504,7 @@
                   <a:srgbClr val="FF0000"/>
                 </a:solidFill>
               </a:rPr>
-              <a:t>Focus on </a:t>
-            </a:r>
-            <a:r>
-              <a:rPr lang="en-US" sz="2800" b="1" dirty="0" err="1" smtClean="0">
-                <a:solidFill>
-                  <a:srgbClr val="FF0000"/>
-                </a:solidFill>
-                <a:latin typeface="Courier New" panose="02070309020205020404" pitchFamily="49" charset="0"/>
-                <a:cs typeface="Courier New" panose="02070309020205020404" pitchFamily="49" charset="0"/>
-              </a:rPr>
-              <a:t>a.b</a:t>
+              <a:t>Origin</a:t>
             </a:r>
             <a:endParaRPr lang="en-US" sz="2800" b="1" dirty="0">
               <a:solidFill>
@@ -6532,7 +5519,7 @@
     </p:spTree>
     <p:extLst>
       <p:ext uri="{BB962C8B-B14F-4D97-AF65-F5344CB8AC3E}">
-        <p14:creationId xmlns:p14="http://schemas.microsoft.com/office/powerpoint/2010/main" val="648780901"/>
+        <p14:creationId xmlns:p14="http://schemas.microsoft.com/office/powerpoint/2010/main" val="911132293"/>
       </p:ext>
     </p:extLst>
   </p:cSld>
@@ -6542,7 +5529,7 @@
 </p:sld>
 </file>
 
-<file path=ppt/slides/slide5.xml><?xml version="1.0" encoding="utf-8"?>
+<file path=ppt/slides/slide6.xml><?xml version="1.0" encoding="utf-8"?>
 <p:sld xmlns:a="http://schemas.openxmlformats.org/drawingml/2006/main" xmlns:r="http://schemas.openxmlformats.org/officeDocument/2006/relationships" xmlns:p="http://schemas.openxmlformats.org/presentationml/2006/main">
   <p:cSld>
     <p:spTree>
@@ -6561,190 +5548,13 @@
       </p:grpSpPr>
       <p:grpSp>
         <p:nvGrpSpPr>
-          <p:cNvPr id="11" name="Group 10"/>
-          <p:cNvGrpSpPr/>
-          <p:nvPr/>
-        </p:nvGrpSpPr>
-        <p:grpSpPr>
-          <a:xfrm>
-            <a:off x="5444171" y="3120154"/>
-            <a:ext cx="1872208" cy="1080120"/>
-            <a:chOff x="1835696" y="764704"/>
-            <a:chExt cx="1872208" cy="1080120"/>
-          </a:xfrm>
-        </p:grpSpPr>
-        <p:sp>
-          <p:nvSpPr>
-            <p:cNvPr id="4" name="Rectangle 3"/>
-            <p:cNvSpPr/>
-            <p:nvPr/>
-          </p:nvSpPr>
-          <p:spPr>
-            <a:xfrm>
-              <a:off x="1835696" y="764704"/>
-              <a:ext cx="1872208" cy="1080120"/>
-            </a:xfrm>
-            <a:prstGeom prst="rect">
-              <a:avLst/>
-            </a:prstGeom>
-            <a:solidFill>
-              <a:schemeClr val="bg1">
-                <a:lumMod val="95000"/>
-              </a:schemeClr>
-            </a:solidFill>
-            <a:ln>
-              <a:solidFill>
-                <a:schemeClr val="tx1"/>
-              </a:solidFill>
-            </a:ln>
-          </p:spPr>
-          <p:style>
-            <a:lnRef idx="2">
-              <a:schemeClr val="accent1">
-                <a:shade val="50000"/>
-              </a:schemeClr>
-            </a:lnRef>
-            <a:fillRef idx="1">
-              <a:schemeClr val="accent1"/>
-            </a:fillRef>
-            <a:effectRef idx="0">
-              <a:schemeClr val="accent1"/>
-            </a:effectRef>
-            <a:fontRef idx="minor">
-              <a:schemeClr val="lt1"/>
-            </a:fontRef>
-          </p:style>
-          <p:txBody>
-            <a:bodyPr rtlCol="0" anchor="ctr"/>
-            <a:lstStyle/>
-            <a:p>
-              <a:pPr algn="ctr"/>
-              <a:endParaRPr lang="en-US" b="1">
-                <a:latin typeface="Courier New" panose="02070309020205020404" pitchFamily="49" charset="0"/>
-                <a:cs typeface="Courier New" panose="02070309020205020404" pitchFamily="49" charset="0"/>
-              </a:endParaRPr>
-            </a:p>
-          </p:txBody>
-        </p:sp>
-        <p:sp>
-          <p:nvSpPr>
-            <p:cNvPr id="5" name="Rectangle 4"/>
-            <p:cNvSpPr/>
-            <p:nvPr/>
-          </p:nvSpPr>
-          <p:spPr>
-            <a:xfrm>
-              <a:off x="1835696" y="764704"/>
-              <a:ext cx="1872208" cy="216024"/>
-            </a:xfrm>
-            <a:prstGeom prst="rect">
-              <a:avLst/>
-            </a:prstGeom>
-            <a:solidFill>
-              <a:schemeClr val="accent5">
-                <a:lumMod val="75000"/>
-              </a:schemeClr>
-            </a:solidFill>
-            <a:ln>
-              <a:solidFill>
-                <a:schemeClr val="tx1"/>
-              </a:solidFill>
-            </a:ln>
-          </p:spPr>
-          <p:style>
-            <a:lnRef idx="2">
-              <a:schemeClr val="accent1">
-                <a:shade val="50000"/>
-              </a:schemeClr>
-            </a:lnRef>
-            <a:fillRef idx="1">
-              <a:schemeClr val="accent1"/>
-            </a:fillRef>
-            <a:effectRef idx="0">
-              <a:schemeClr val="accent1"/>
-            </a:effectRef>
-            <a:fontRef idx="minor">
-              <a:schemeClr val="lt1"/>
-            </a:fontRef>
-          </p:style>
-          <p:txBody>
-            <a:bodyPr rtlCol="0" anchor="ctr"/>
-            <a:lstStyle/>
-            <a:p>
-              <a:pPr algn="ctr"/>
-              <a:r>
-                <a:rPr lang="en-US" b="1" dirty="0" err="1" smtClean="0">
-                  <a:latin typeface="Courier New" panose="02070309020205020404" pitchFamily="49" charset="0"/>
-                  <a:cs typeface="Courier New" panose="02070309020205020404" pitchFamily="49" charset="0"/>
-                </a:rPr>
-                <a:t>a.b</a:t>
-              </a:r>
-              <a:endParaRPr lang="en-US" b="1" dirty="0">
-                <a:latin typeface="Courier New" panose="02070309020205020404" pitchFamily="49" charset="0"/>
-                <a:cs typeface="Courier New" panose="02070309020205020404" pitchFamily="49" charset="0"/>
-              </a:endParaRPr>
-            </a:p>
-          </p:txBody>
-        </p:sp>
-        <p:sp>
-          <p:nvSpPr>
-            <p:cNvPr id="7" name="Rectangle 6"/>
-            <p:cNvSpPr/>
-            <p:nvPr/>
-          </p:nvSpPr>
-          <p:spPr>
-            <a:xfrm>
-              <a:off x="1835696" y="764704"/>
-              <a:ext cx="216024" cy="1080120"/>
-            </a:xfrm>
-            <a:prstGeom prst="rect">
-              <a:avLst/>
-            </a:prstGeom>
-            <a:noFill/>
-            <a:ln>
-              <a:solidFill>
-                <a:schemeClr val="tx1"/>
-              </a:solidFill>
-            </a:ln>
-          </p:spPr>
-          <p:style>
-            <a:lnRef idx="2">
-              <a:schemeClr val="accent1">
-                <a:shade val="50000"/>
-              </a:schemeClr>
-            </a:lnRef>
-            <a:fillRef idx="1">
-              <a:schemeClr val="accent1"/>
-            </a:fillRef>
-            <a:effectRef idx="0">
-              <a:schemeClr val="accent1"/>
-            </a:effectRef>
-            <a:fontRef idx="minor">
-              <a:schemeClr val="lt1"/>
-            </a:fontRef>
-          </p:style>
-          <p:txBody>
-            <a:bodyPr rtlCol="0" anchor="ctr"/>
-            <a:lstStyle/>
-            <a:p>
-              <a:pPr algn="ctr"/>
-              <a:endParaRPr lang="en-US" b="1">
-                <a:latin typeface="Courier New" panose="02070309020205020404" pitchFamily="49" charset="0"/>
-                <a:cs typeface="Courier New" panose="02070309020205020404" pitchFamily="49" charset="0"/>
-              </a:endParaRPr>
-            </a:p>
-          </p:txBody>
-        </p:sp>
-      </p:grpSp>
-      <p:grpSp>
-        <p:nvGrpSpPr>
           <p:cNvPr id="12" name="Group 11"/>
           <p:cNvGrpSpPr/>
           <p:nvPr/>
         </p:nvGrpSpPr>
         <p:grpSpPr>
           <a:xfrm>
-            <a:off x="3333229" y="1543813"/>
+            <a:off x="3450595" y="2096852"/>
             <a:ext cx="1872208" cy="1080120"/>
             <a:chOff x="1835696" y="764704"/>
             <a:chExt cx="1872208" cy="1080120"/>
@@ -6909,396 +5719,6 @@
           </p:txBody>
         </p:sp>
       </p:grpSp>
-      <p:grpSp>
-        <p:nvGrpSpPr>
-          <p:cNvPr id="16" name="Group 15"/>
-          <p:cNvGrpSpPr/>
-          <p:nvPr/>
-        </p:nvGrpSpPr>
-        <p:grpSpPr>
-          <a:xfrm>
-            <a:off x="6380275" y="4784173"/>
-            <a:ext cx="1872208" cy="1080120"/>
-            <a:chOff x="1835696" y="764704"/>
-            <a:chExt cx="1872208" cy="1080120"/>
-          </a:xfrm>
-        </p:grpSpPr>
-        <p:sp>
-          <p:nvSpPr>
-            <p:cNvPr id="17" name="Rectangle 16"/>
-            <p:cNvSpPr/>
-            <p:nvPr/>
-          </p:nvSpPr>
-          <p:spPr>
-            <a:xfrm>
-              <a:off x="1835696" y="764704"/>
-              <a:ext cx="1872208" cy="1080120"/>
-            </a:xfrm>
-            <a:prstGeom prst="rect">
-              <a:avLst/>
-            </a:prstGeom>
-            <a:solidFill>
-              <a:schemeClr val="bg1">
-                <a:lumMod val="95000"/>
-              </a:schemeClr>
-            </a:solidFill>
-            <a:ln>
-              <a:solidFill>
-                <a:schemeClr val="tx1"/>
-              </a:solidFill>
-            </a:ln>
-          </p:spPr>
-          <p:style>
-            <a:lnRef idx="2">
-              <a:schemeClr val="accent1">
-                <a:shade val="50000"/>
-              </a:schemeClr>
-            </a:lnRef>
-            <a:fillRef idx="1">
-              <a:schemeClr val="accent1"/>
-            </a:fillRef>
-            <a:effectRef idx="0">
-              <a:schemeClr val="accent1"/>
-            </a:effectRef>
-            <a:fontRef idx="minor">
-              <a:schemeClr val="lt1"/>
-            </a:fontRef>
-          </p:style>
-          <p:txBody>
-            <a:bodyPr rtlCol="0" anchor="ctr"/>
-            <a:lstStyle/>
-            <a:p>
-              <a:pPr algn="ctr"/>
-              <a:endParaRPr lang="en-US" b="1">
-                <a:latin typeface="Courier New" panose="02070309020205020404" pitchFamily="49" charset="0"/>
-                <a:cs typeface="Courier New" panose="02070309020205020404" pitchFamily="49" charset="0"/>
-              </a:endParaRPr>
-            </a:p>
-          </p:txBody>
-        </p:sp>
-        <p:sp>
-          <p:nvSpPr>
-            <p:cNvPr id="18" name="Rectangle 17"/>
-            <p:cNvSpPr/>
-            <p:nvPr/>
-          </p:nvSpPr>
-          <p:spPr>
-            <a:xfrm>
-              <a:off x="1835696" y="764704"/>
-              <a:ext cx="1872208" cy="216024"/>
-            </a:xfrm>
-            <a:prstGeom prst="rect">
-              <a:avLst/>
-            </a:prstGeom>
-            <a:solidFill>
-              <a:schemeClr val="accent5">
-                <a:lumMod val="75000"/>
-              </a:schemeClr>
-            </a:solidFill>
-            <a:ln>
-              <a:solidFill>
-                <a:schemeClr val="tx1"/>
-              </a:solidFill>
-            </a:ln>
-          </p:spPr>
-          <p:style>
-            <a:lnRef idx="2">
-              <a:schemeClr val="accent1">
-                <a:shade val="50000"/>
-              </a:schemeClr>
-            </a:lnRef>
-            <a:fillRef idx="1">
-              <a:schemeClr val="accent1"/>
-            </a:fillRef>
-            <a:effectRef idx="0">
-              <a:schemeClr val="accent1"/>
-            </a:effectRef>
-            <a:fontRef idx="minor">
-              <a:schemeClr val="lt1"/>
-            </a:fontRef>
-          </p:style>
-          <p:txBody>
-            <a:bodyPr rtlCol="0" anchor="ctr"/>
-            <a:lstStyle/>
-            <a:p>
-              <a:pPr algn="ctr"/>
-              <a:r>
-                <a:rPr lang="en-US" b="1" dirty="0" err="1" smtClean="0">
-                  <a:latin typeface="Courier New" panose="02070309020205020404" pitchFamily="49" charset="0"/>
-                  <a:cs typeface="Courier New" panose="02070309020205020404" pitchFamily="49" charset="0"/>
-                </a:rPr>
-                <a:t>a.b.d</a:t>
-              </a:r>
-              <a:endParaRPr lang="en-US" b="1" dirty="0">
-                <a:latin typeface="Courier New" panose="02070309020205020404" pitchFamily="49" charset="0"/>
-                <a:cs typeface="Courier New" panose="02070309020205020404" pitchFamily="49" charset="0"/>
-              </a:endParaRPr>
-            </a:p>
-          </p:txBody>
-        </p:sp>
-        <p:sp>
-          <p:nvSpPr>
-            <p:cNvPr id="19" name="Rectangle 18"/>
-            <p:cNvSpPr/>
-            <p:nvPr/>
-          </p:nvSpPr>
-          <p:spPr>
-            <a:xfrm>
-              <a:off x="1835696" y="764704"/>
-              <a:ext cx="216024" cy="1080120"/>
-            </a:xfrm>
-            <a:prstGeom prst="rect">
-              <a:avLst/>
-            </a:prstGeom>
-            <a:noFill/>
-            <a:ln>
-              <a:solidFill>
-                <a:schemeClr val="tx1"/>
-              </a:solidFill>
-            </a:ln>
-          </p:spPr>
-          <p:style>
-            <a:lnRef idx="2">
-              <a:schemeClr val="accent1">
-                <a:shade val="50000"/>
-              </a:schemeClr>
-            </a:lnRef>
-            <a:fillRef idx="1">
-              <a:schemeClr val="accent1"/>
-            </a:fillRef>
-            <a:effectRef idx="0">
-              <a:schemeClr val="accent1"/>
-            </a:effectRef>
-            <a:fontRef idx="minor">
-              <a:schemeClr val="lt1"/>
-            </a:fontRef>
-          </p:style>
-          <p:txBody>
-            <a:bodyPr rtlCol="0" anchor="ctr"/>
-            <a:lstStyle/>
-            <a:p>
-              <a:pPr algn="ctr"/>
-              <a:endParaRPr lang="en-US" b="1">
-                <a:latin typeface="Courier New" panose="02070309020205020404" pitchFamily="49" charset="0"/>
-                <a:cs typeface="Courier New" panose="02070309020205020404" pitchFamily="49" charset="0"/>
-              </a:endParaRPr>
-            </a:p>
-          </p:txBody>
-        </p:sp>
-      </p:grpSp>
-      <p:grpSp>
-        <p:nvGrpSpPr>
-          <p:cNvPr id="20" name="Group 19"/>
-          <p:cNvGrpSpPr/>
-          <p:nvPr/>
-        </p:nvGrpSpPr>
-        <p:grpSpPr>
-          <a:xfrm>
-            <a:off x="1821061" y="3068960"/>
-            <a:ext cx="1872208" cy="1080120"/>
-            <a:chOff x="1835696" y="764704"/>
-            <a:chExt cx="1872208" cy="1080120"/>
-          </a:xfrm>
-        </p:grpSpPr>
-        <p:sp>
-          <p:nvSpPr>
-            <p:cNvPr id="21" name="Rectangle 20"/>
-            <p:cNvSpPr/>
-            <p:nvPr/>
-          </p:nvSpPr>
-          <p:spPr>
-            <a:xfrm>
-              <a:off x="1835696" y="764704"/>
-              <a:ext cx="1872208" cy="1080120"/>
-            </a:xfrm>
-            <a:prstGeom prst="rect">
-              <a:avLst/>
-            </a:prstGeom>
-            <a:solidFill>
-              <a:schemeClr val="bg1">
-                <a:lumMod val="95000"/>
-              </a:schemeClr>
-            </a:solidFill>
-            <a:ln>
-              <a:solidFill>
-                <a:schemeClr val="tx1"/>
-              </a:solidFill>
-            </a:ln>
-          </p:spPr>
-          <p:style>
-            <a:lnRef idx="2">
-              <a:schemeClr val="accent1">
-                <a:shade val="50000"/>
-              </a:schemeClr>
-            </a:lnRef>
-            <a:fillRef idx="1">
-              <a:schemeClr val="accent1"/>
-            </a:fillRef>
-            <a:effectRef idx="0">
-              <a:schemeClr val="accent1"/>
-            </a:effectRef>
-            <a:fontRef idx="minor">
-              <a:schemeClr val="lt1"/>
-            </a:fontRef>
-          </p:style>
-          <p:txBody>
-            <a:bodyPr rtlCol="0" anchor="ctr"/>
-            <a:lstStyle/>
-            <a:p>
-              <a:pPr algn="ctr"/>
-              <a:endParaRPr lang="en-US" b="1">
-                <a:latin typeface="Courier New" panose="02070309020205020404" pitchFamily="49" charset="0"/>
-                <a:cs typeface="Courier New" panose="02070309020205020404" pitchFamily="49" charset="0"/>
-              </a:endParaRPr>
-            </a:p>
-          </p:txBody>
-        </p:sp>
-        <p:sp>
-          <p:nvSpPr>
-            <p:cNvPr id="22" name="Rectangle 21"/>
-            <p:cNvSpPr/>
-            <p:nvPr/>
-          </p:nvSpPr>
-          <p:spPr>
-            <a:xfrm>
-              <a:off x="1835696" y="764704"/>
-              <a:ext cx="1872208" cy="216024"/>
-            </a:xfrm>
-            <a:prstGeom prst="rect">
-              <a:avLst/>
-            </a:prstGeom>
-            <a:solidFill>
-              <a:schemeClr val="accent5">
-                <a:lumMod val="75000"/>
-              </a:schemeClr>
-            </a:solidFill>
-            <a:ln>
-              <a:solidFill>
-                <a:schemeClr val="tx1"/>
-              </a:solidFill>
-            </a:ln>
-          </p:spPr>
-          <p:style>
-            <a:lnRef idx="2">
-              <a:schemeClr val="accent1">
-                <a:shade val="50000"/>
-              </a:schemeClr>
-            </a:lnRef>
-            <a:fillRef idx="1">
-              <a:schemeClr val="accent1"/>
-            </a:fillRef>
-            <a:effectRef idx="0">
-              <a:schemeClr val="accent1"/>
-            </a:effectRef>
-            <a:fontRef idx="minor">
-              <a:schemeClr val="lt1"/>
-            </a:fontRef>
-          </p:style>
-          <p:txBody>
-            <a:bodyPr rtlCol="0" anchor="ctr"/>
-            <a:lstStyle/>
-            <a:p>
-              <a:pPr algn="ctr"/>
-              <a:r>
-                <a:rPr lang="en-US" b="1" dirty="0" smtClean="0">
-                  <a:latin typeface="Courier New" panose="02070309020205020404" pitchFamily="49" charset="0"/>
-                  <a:cs typeface="Courier New" panose="02070309020205020404" pitchFamily="49" charset="0"/>
-                </a:rPr>
-                <a:t>c</a:t>
-              </a:r>
-              <a:endParaRPr lang="en-US" b="1" dirty="0">
-                <a:latin typeface="Courier New" panose="02070309020205020404" pitchFamily="49" charset="0"/>
-                <a:cs typeface="Courier New" panose="02070309020205020404" pitchFamily="49" charset="0"/>
-              </a:endParaRPr>
-            </a:p>
-          </p:txBody>
-        </p:sp>
-        <p:sp>
-          <p:nvSpPr>
-            <p:cNvPr id="23" name="Rectangle 22"/>
-            <p:cNvSpPr/>
-            <p:nvPr/>
-          </p:nvSpPr>
-          <p:spPr>
-            <a:xfrm>
-              <a:off x="1835696" y="764704"/>
-              <a:ext cx="216024" cy="1080120"/>
-            </a:xfrm>
-            <a:prstGeom prst="rect">
-              <a:avLst/>
-            </a:prstGeom>
-            <a:noFill/>
-            <a:ln>
-              <a:solidFill>
-                <a:schemeClr val="tx1"/>
-              </a:solidFill>
-            </a:ln>
-          </p:spPr>
-          <p:style>
-            <a:lnRef idx="2">
-              <a:schemeClr val="accent1">
-                <a:shade val="50000"/>
-              </a:schemeClr>
-            </a:lnRef>
-            <a:fillRef idx="1">
-              <a:schemeClr val="accent1"/>
-            </a:fillRef>
-            <a:effectRef idx="0">
-              <a:schemeClr val="accent1"/>
-            </a:effectRef>
-            <a:fontRef idx="minor">
-              <a:schemeClr val="lt1"/>
-            </a:fontRef>
-          </p:style>
-          <p:txBody>
-            <a:bodyPr rtlCol="0" anchor="ctr"/>
-            <a:lstStyle/>
-            <a:p>
-              <a:pPr algn="ctr"/>
-              <a:endParaRPr lang="en-US" b="1">
-                <a:latin typeface="Courier New" panose="02070309020205020404" pitchFamily="49" charset="0"/>
-                <a:cs typeface="Courier New" panose="02070309020205020404" pitchFamily="49" charset="0"/>
-              </a:endParaRPr>
-            </a:p>
-          </p:txBody>
-        </p:sp>
-      </p:grpSp>
-      <p:cxnSp>
-        <p:nvCxnSpPr>
-          <p:cNvPr id="25" name="Straight Arrow Connector 24"/>
-          <p:cNvCxnSpPr/>
-          <p:nvPr/>
-        </p:nvCxnSpPr>
-        <p:spPr>
-          <a:xfrm flipH="1" flipV="1">
-            <a:off x="5205437" y="2407909"/>
-            <a:ext cx="720080" cy="661051"/>
-          </a:xfrm>
-          <a:prstGeom prst="straightConnector1">
-            <a:avLst/>
-          </a:prstGeom>
-          <a:ln w="50800">
-            <a:solidFill>
-              <a:schemeClr val="tx1"/>
-            </a:solidFill>
-            <a:tailEnd type="arrow"/>
-          </a:ln>
-        </p:spPr>
-        <p:style>
-          <a:lnRef idx="1">
-            <a:schemeClr val="accent1"/>
-          </a:lnRef>
-          <a:fillRef idx="0">
-            <a:schemeClr val="accent1"/>
-          </a:fillRef>
-          <a:effectRef idx="0">
-            <a:schemeClr val="accent1"/>
-          </a:effectRef>
-          <a:fontRef idx="minor">
-            <a:schemeClr val="tx1"/>
-          </a:fontRef>
-        </p:style>
-      </p:cxnSp>
       <p:grpSp>
         <p:nvGrpSpPr>
           <p:cNvPr id="30" name="Group 29"/>
@@ -7484,8 +5904,8 @@
         </p:nvCxnSpPr>
         <p:spPr>
           <a:xfrm flipV="1">
-            <a:off x="5205437" y="1052737"/>
-            <a:ext cx="1094755" cy="599088"/>
+            <a:off x="5220072" y="1052738"/>
+            <a:ext cx="1080120" cy="936102"/>
           </a:xfrm>
           <a:prstGeom prst="straightConnector1">
             <a:avLst/>
@@ -7512,87 +5932,15 @@
           </a:fontRef>
         </p:style>
       </p:cxnSp>
-      <p:cxnSp>
-        <p:nvCxnSpPr>
-          <p:cNvPr id="37" name="Straight Arrow Connector 36"/>
-          <p:cNvCxnSpPr/>
-          <p:nvPr/>
-        </p:nvCxnSpPr>
-        <p:spPr>
-          <a:xfrm flipH="1" flipV="1">
-            <a:off x="6596299" y="4293096"/>
-            <a:ext cx="495981" cy="432048"/>
-          </a:xfrm>
-          <a:prstGeom prst="straightConnector1">
-            <a:avLst/>
-          </a:prstGeom>
-          <a:ln w="50800">
-            <a:solidFill>
-              <a:schemeClr val="tx1"/>
-            </a:solidFill>
-            <a:tailEnd type="arrow"/>
-          </a:ln>
-        </p:spPr>
-        <p:style>
-          <a:lnRef idx="1">
-            <a:schemeClr val="accent1"/>
-          </a:lnRef>
-          <a:fillRef idx="0">
-            <a:schemeClr val="accent1"/>
-          </a:fillRef>
-          <a:effectRef idx="0">
-            <a:schemeClr val="accent1"/>
-          </a:effectRef>
-          <a:fontRef idx="minor">
-            <a:schemeClr val="tx1"/>
-          </a:fontRef>
-        </p:style>
-      </p:cxnSp>
-      <p:cxnSp>
-        <p:nvCxnSpPr>
-          <p:cNvPr id="40" name="Straight Arrow Connector 39"/>
-          <p:cNvCxnSpPr/>
-          <p:nvPr/>
-        </p:nvCxnSpPr>
-        <p:spPr>
-          <a:xfrm flipV="1">
-            <a:off x="2699792" y="2407909"/>
-            <a:ext cx="504057" cy="589043"/>
-          </a:xfrm>
-          <a:prstGeom prst="straightConnector1">
-            <a:avLst/>
-          </a:prstGeom>
-          <a:ln w="50800">
-            <a:solidFill>
-              <a:schemeClr val="tx1"/>
-            </a:solidFill>
-            <a:tailEnd type="arrow"/>
-          </a:ln>
-        </p:spPr>
-        <p:style>
-          <a:lnRef idx="1">
-            <a:schemeClr val="accent1"/>
-          </a:lnRef>
-          <a:fillRef idx="0">
-            <a:schemeClr val="accent1"/>
-          </a:fillRef>
-          <a:effectRef idx="0">
-            <a:schemeClr val="accent1"/>
-          </a:effectRef>
-          <a:fontRef idx="minor">
-            <a:schemeClr val="tx1"/>
-          </a:fontRef>
-        </p:style>
-      </p:cxnSp>
-      <p:sp>
-        <p:nvSpPr>
-          <p:cNvPr id="44" name="Rectangle 43"/>
+      <p:sp>
+        <p:nvSpPr>
+          <p:cNvPr id="54" name="Rectangle 53"/>
           <p:cNvSpPr/>
           <p:nvPr/>
         </p:nvSpPr>
         <p:spPr>
           <a:xfrm>
-            <a:off x="6225390" y="339146"/>
+            <a:off x="3306579" y="1923321"/>
             <a:ext cx="2160240" cy="1427181"/>
           </a:xfrm>
           <a:prstGeom prst="rect">
@@ -7632,14 +5980,17 @@
       </p:sp>
       <p:cxnSp>
         <p:nvCxnSpPr>
-          <p:cNvPr id="45" name="Straight Arrow Connector 44"/>
-          <p:cNvCxnSpPr/>
+          <p:cNvPr id="55" name="Straight Arrow Connector 54"/>
+          <p:cNvCxnSpPr>
+            <a:stCxn id="56" idx="2"/>
+            <a:endCxn id="54" idx="0"/>
+          </p:cNvCxnSpPr>
           <p:nvPr/>
         </p:nvCxnSpPr>
         <p:spPr>
           <a:xfrm>
-            <a:off x="5212754" y="620688"/>
-            <a:ext cx="943422" cy="1"/>
+            <a:off x="3665801" y="1251920"/>
+            <a:ext cx="720898" cy="671401"/>
           </a:xfrm>
           <a:prstGeom prst="straightConnector1">
             <a:avLst/>
@@ -7668,14 +6019,14 @@
       </p:cxnSp>
       <p:sp>
         <p:nvSpPr>
-          <p:cNvPr id="48" name="TextBox 47"/>
+          <p:cNvPr id="56" name="TextBox 55"/>
           <p:cNvSpPr txBox="1"/>
           <p:nvPr/>
         </p:nvSpPr>
         <p:spPr>
           <a:xfrm>
-            <a:off x="3441241" y="359078"/>
-            <a:ext cx="1773114" cy="523220"/>
+            <a:off x="3131840" y="728700"/>
+            <a:ext cx="1067921" cy="523220"/>
           </a:xfrm>
           <a:prstGeom prst="rect">
             <a:avLst/>
@@ -7694,17 +6045,7 @@
                   <a:srgbClr val="FF0000"/>
                 </a:solidFill>
               </a:rPr>
-              <a:t>Focus on </a:t>
-            </a:r>
-            <a:r>
-              <a:rPr lang="en-US" sz="2800" b="1" dirty="0" smtClean="0">
-                <a:solidFill>
-                  <a:srgbClr val="FF0000"/>
-                </a:solidFill>
-                <a:latin typeface="Courier New" panose="02070309020205020404" pitchFamily="49" charset="0"/>
-                <a:cs typeface="Courier New" panose="02070309020205020404" pitchFamily="49" charset="0"/>
-              </a:rPr>
-              <a:t>e</a:t>
+              <a:t>Origin</a:t>
             </a:r>
             <a:endParaRPr lang="en-US" sz="2800" b="1" dirty="0">
               <a:solidFill>
@@ -7719,7 +6060,7 @@
     </p:spTree>
     <p:extLst>
       <p:ext uri="{BB962C8B-B14F-4D97-AF65-F5344CB8AC3E}">
-        <p14:creationId xmlns:p14="http://schemas.microsoft.com/office/powerpoint/2010/main" val="3165148410"/>
+        <p14:creationId xmlns:p14="http://schemas.microsoft.com/office/powerpoint/2010/main" val="2448832845"/>
       </p:ext>
     </p:extLst>
   </p:cSld>
